--- a/Slide/Thăm ASEAN.pptx
+++ b/Slide/Thăm ASEAN.pptx
@@ -259,7 +259,7 @@
           <a:p>
             <a:fld id="{F73264B2-A2DF-4A9A-BEA7-E9B861471EB5}" type="datetimeFigureOut">
               <a:rPr lang="en-US" smtClean="0"/>
-              <a:t>6/8/2020</a:t>
+              <a:t>6/9/2020</a:t>
             </a:fld>
             <a:endParaRPr lang="en-US"/>
           </a:p>
@@ -457,7 +457,7 @@
           <a:p>
             <a:fld id="{F73264B2-A2DF-4A9A-BEA7-E9B861471EB5}" type="datetimeFigureOut">
               <a:rPr lang="en-US" smtClean="0"/>
-              <a:t>6/8/2020</a:t>
+              <a:t>6/9/2020</a:t>
             </a:fld>
             <a:endParaRPr lang="en-US"/>
           </a:p>
@@ -665,7 +665,7 @@
           <a:p>
             <a:fld id="{F73264B2-A2DF-4A9A-BEA7-E9B861471EB5}" type="datetimeFigureOut">
               <a:rPr lang="en-US" smtClean="0"/>
-              <a:t>6/8/2020</a:t>
+              <a:t>6/9/2020</a:t>
             </a:fld>
             <a:endParaRPr lang="en-US"/>
           </a:p>
@@ -863,7 +863,7 @@
           <a:p>
             <a:fld id="{F73264B2-A2DF-4A9A-BEA7-E9B861471EB5}" type="datetimeFigureOut">
               <a:rPr lang="en-US" smtClean="0"/>
-              <a:t>6/8/2020</a:t>
+              <a:t>6/9/2020</a:t>
             </a:fld>
             <a:endParaRPr lang="en-US"/>
           </a:p>
@@ -1138,7 +1138,7 @@
           <a:p>
             <a:fld id="{F73264B2-A2DF-4A9A-BEA7-E9B861471EB5}" type="datetimeFigureOut">
               <a:rPr lang="en-US" smtClean="0"/>
-              <a:t>6/8/2020</a:t>
+              <a:t>6/9/2020</a:t>
             </a:fld>
             <a:endParaRPr lang="en-US"/>
           </a:p>
@@ -1403,7 +1403,7 @@
           <a:p>
             <a:fld id="{F73264B2-A2DF-4A9A-BEA7-E9B861471EB5}" type="datetimeFigureOut">
               <a:rPr lang="en-US" smtClean="0"/>
-              <a:t>6/8/2020</a:t>
+              <a:t>6/9/2020</a:t>
             </a:fld>
             <a:endParaRPr lang="en-US"/>
           </a:p>
@@ -1815,7 +1815,7 @@
           <a:p>
             <a:fld id="{F73264B2-A2DF-4A9A-BEA7-E9B861471EB5}" type="datetimeFigureOut">
               <a:rPr lang="en-US" smtClean="0"/>
-              <a:t>6/8/2020</a:t>
+              <a:t>6/9/2020</a:t>
             </a:fld>
             <a:endParaRPr lang="en-US"/>
           </a:p>
@@ -1956,7 +1956,7 @@
           <a:p>
             <a:fld id="{F73264B2-A2DF-4A9A-BEA7-E9B861471EB5}" type="datetimeFigureOut">
               <a:rPr lang="en-US" smtClean="0"/>
-              <a:t>6/8/2020</a:t>
+              <a:t>6/9/2020</a:t>
             </a:fld>
             <a:endParaRPr lang="en-US"/>
           </a:p>
@@ -2069,7 +2069,7 @@
           <a:p>
             <a:fld id="{F73264B2-A2DF-4A9A-BEA7-E9B861471EB5}" type="datetimeFigureOut">
               <a:rPr lang="en-US" smtClean="0"/>
-              <a:t>6/8/2020</a:t>
+              <a:t>6/9/2020</a:t>
             </a:fld>
             <a:endParaRPr lang="en-US"/>
           </a:p>
@@ -2380,7 +2380,7 @@
           <a:p>
             <a:fld id="{F73264B2-A2DF-4A9A-BEA7-E9B861471EB5}" type="datetimeFigureOut">
               <a:rPr lang="en-US" smtClean="0"/>
-              <a:t>6/8/2020</a:t>
+              <a:t>6/9/2020</a:t>
             </a:fld>
             <a:endParaRPr lang="en-US"/>
           </a:p>
@@ -2668,7 +2668,7 @@
           <a:p>
             <a:fld id="{F73264B2-A2DF-4A9A-BEA7-E9B861471EB5}" type="datetimeFigureOut">
               <a:rPr lang="en-US" smtClean="0"/>
-              <a:t>6/8/2020</a:t>
+              <a:t>6/9/2020</a:t>
             </a:fld>
             <a:endParaRPr lang="en-US"/>
           </a:p>
@@ -2909,7 +2909,7 @@
           <a:p>
             <a:fld id="{F73264B2-A2DF-4A9A-BEA7-E9B861471EB5}" type="datetimeFigureOut">
               <a:rPr lang="en-US" smtClean="0"/>
-              <a:t>6/8/2020</a:t>
+              <a:t>6/9/2020</a:t>
             </a:fld>
             <a:endParaRPr lang="en-US"/>
           </a:p>
@@ -3516,8 +3516,12 @@
           <a:bodyPr rtlCol="0" anchor="ctr"/>
           <a:lstStyle/>
           <a:p>
-            <a:pPr algn="ctr"/>
-            <a:endParaRPr lang="en-US"/>
+            <a:pPr algn="ctr">
+              <a:lnSpc>
+                <a:spcPct val="150000"/>
+              </a:lnSpc>
+            </a:pPr>
+            <a:endParaRPr lang="en-US" dirty="0"/>
           </a:p>
         </p:txBody>
       </p:sp>
@@ -3535,8 +3539,8 @@
         </p:nvSpPr>
         <p:spPr>
           <a:xfrm>
-            <a:off x="7493391" y="1071801"/>
-            <a:ext cx="3643532" cy="5786199"/>
+            <a:off x="7493391" y="1384639"/>
+            <a:ext cx="3643532" cy="4939814"/>
           </a:xfrm>
           <a:prstGeom prst="rect">
             <a:avLst/>
@@ -3544,17 +3548,23 @@
           <a:noFill/>
         </p:spPr>
         <p:txBody>
-          <a:bodyPr wrap="square" rtlCol="0">
+          <a:bodyPr wrap="square" lIns="91440" rtlCol="0" anchor="ctr">
             <a:spAutoFit/>
           </a:bodyPr>
           <a:lstStyle/>
           <a:p>
             <a:pPr marL="457200" indent="-457200">
+              <a:spcBef>
+                <a:spcPts val="1800"/>
+              </a:spcBef>
+              <a:spcAft>
+                <a:spcPts val="1800"/>
+              </a:spcAft>
               <a:buFont typeface="Arial" panose="020B0604020202020204" pitchFamily="34" charset="0"/>
               <a:buChar char="•"/>
             </a:pPr>
             <a:r>
-              <a:rPr lang="en-US" sz="3200" dirty="0" err="1">
+              <a:rPr lang="en-US" sz="2800" dirty="0" err="1">
                 <a:solidFill>
                   <a:schemeClr val="bg1"/>
                 </a:solidFill>
@@ -3563,7 +3573,7 @@
               <a:t>Đặng</a:t>
             </a:r>
             <a:r>
-              <a:rPr lang="en-US" sz="3200" dirty="0">
+              <a:rPr lang="en-US" sz="2800" dirty="0">
                 <a:solidFill>
                   <a:schemeClr val="bg1"/>
                 </a:solidFill>
@@ -3572,7 +3582,7 @@
               <a:t> </a:t>
             </a:r>
             <a:r>
-              <a:rPr lang="en-US" sz="3200" dirty="0" err="1">
+              <a:rPr lang="en-US" sz="2800" dirty="0" err="1">
                 <a:solidFill>
                   <a:schemeClr val="bg1"/>
                 </a:solidFill>
@@ -3581,7 +3591,7 @@
               <a:t>Tiểu</a:t>
             </a:r>
             <a:r>
-              <a:rPr lang="en-US" sz="3200" dirty="0">
+              <a:rPr lang="en-US" sz="2800" dirty="0">
                 <a:solidFill>
                   <a:schemeClr val="bg1"/>
                 </a:solidFill>
@@ -3590,7 +3600,7 @@
               <a:t> </a:t>
             </a:r>
             <a:r>
-              <a:rPr lang="en-US" sz="3200" dirty="0" err="1">
+              <a:rPr lang="en-US" sz="2800" dirty="0" err="1">
                 <a:solidFill>
                   <a:schemeClr val="bg1"/>
                 </a:solidFill>
@@ -3599,7 +3609,7 @@
               <a:t>Bình</a:t>
             </a:r>
             <a:r>
-              <a:rPr lang="en-US" sz="3200" dirty="0">
+              <a:rPr lang="en-US" sz="2800" dirty="0">
                 <a:solidFill>
                   <a:schemeClr val="bg1"/>
                 </a:solidFill>
@@ -3608,7 +3618,7 @@
               <a:t> </a:t>
             </a:r>
             <a:r>
-              <a:rPr lang="en-US" sz="3200" dirty="0" err="1">
+              <a:rPr lang="en-US" sz="2800" dirty="0" err="1">
                 <a:solidFill>
                   <a:schemeClr val="bg1"/>
                 </a:solidFill>
@@ -3617,7 +3627,7 @@
               <a:t>kêu</a:t>
             </a:r>
             <a:r>
-              <a:rPr lang="en-US" sz="3200" dirty="0">
+              <a:rPr lang="en-US" sz="2800" dirty="0">
                 <a:solidFill>
                   <a:schemeClr val="bg1"/>
                 </a:solidFill>
@@ -3626,7 +3636,7 @@
               <a:t> </a:t>
             </a:r>
             <a:r>
-              <a:rPr lang="en-US" sz="3200" dirty="0" err="1">
+              <a:rPr lang="en-US" sz="2800" dirty="0" err="1">
                 <a:solidFill>
                   <a:schemeClr val="bg1"/>
                 </a:solidFill>
@@ -3635,7 +3645,7 @@
               <a:t>gọi</a:t>
             </a:r>
             <a:r>
-              <a:rPr lang="en-US" sz="3200" dirty="0">
+              <a:rPr lang="en-US" sz="2800" dirty="0">
                 <a:solidFill>
                   <a:schemeClr val="bg1"/>
                 </a:solidFill>
@@ -3644,7 +3654,7 @@
               <a:t> </a:t>
             </a:r>
             <a:r>
-              <a:rPr lang="en-US" sz="3200" dirty="0" err="1">
+              <a:rPr lang="en-US" sz="2800" dirty="0" err="1">
                 <a:solidFill>
                   <a:schemeClr val="bg1"/>
                 </a:solidFill>
@@ -3653,7 +3663,7 @@
               <a:t>thành</a:t>
             </a:r>
             <a:r>
-              <a:rPr lang="en-US" sz="3200" dirty="0">
+              <a:rPr lang="en-US" sz="2800" dirty="0">
                 <a:solidFill>
                   <a:schemeClr val="bg1"/>
                 </a:solidFill>
@@ -3662,7 +3672,7 @@
               <a:t> </a:t>
             </a:r>
             <a:r>
-              <a:rPr lang="en-US" sz="3200" dirty="0" err="1">
+              <a:rPr lang="en-US" sz="2800" dirty="0" err="1">
                 <a:solidFill>
                   <a:schemeClr val="bg1"/>
                 </a:solidFill>
@@ -3671,7 +3681,7 @@
               <a:t>lập</a:t>
             </a:r>
             <a:r>
-              <a:rPr lang="en-US" sz="3200" dirty="0">
+              <a:rPr lang="en-US" sz="2800" dirty="0">
                 <a:solidFill>
                   <a:schemeClr val="bg1"/>
                 </a:solidFill>
@@ -3680,7 +3690,7 @@
               <a:t> </a:t>
             </a:r>
             <a:r>
-              <a:rPr lang="en-US" sz="3200" dirty="0" err="1">
+              <a:rPr lang="en-US" sz="2800" dirty="0" err="1">
                 <a:solidFill>
                   <a:schemeClr val="bg1"/>
                 </a:solidFill>
@@ -3689,7 +3699,7 @@
               <a:t>Mặt</a:t>
             </a:r>
             <a:r>
-              <a:rPr lang="en-US" sz="3200" dirty="0">
+              <a:rPr lang="en-US" sz="2800" dirty="0">
                 <a:solidFill>
                   <a:schemeClr val="bg1"/>
                 </a:solidFill>
@@ -3698,7 +3708,7 @@
               <a:t> </a:t>
             </a:r>
             <a:r>
-              <a:rPr lang="en-US" sz="3200" dirty="0" err="1">
+              <a:rPr lang="en-US" sz="2800" dirty="0" err="1">
                 <a:solidFill>
                   <a:schemeClr val="bg1"/>
                 </a:solidFill>
@@ -3707,7 +3717,7 @@
               <a:t>trận</a:t>
             </a:r>
             <a:r>
-              <a:rPr lang="en-US" sz="3200" dirty="0">
+              <a:rPr lang="en-US" sz="2800" dirty="0">
                 <a:solidFill>
                   <a:schemeClr val="bg1"/>
                 </a:solidFill>
@@ -3716,7 +3726,7 @@
               <a:t> </a:t>
             </a:r>
             <a:r>
-              <a:rPr lang="en-US" sz="3200" dirty="0" err="1">
+              <a:rPr lang="en-US" sz="2800" dirty="0" err="1">
                 <a:solidFill>
                   <a:schemeClr val="bg1"/>
                 </a:solidFill>
@@ -3725,7 +3735,7 @@
               <a:t>chống</a:t>
             </a:r>
             <a:r>
-              <a:rPr lang="en-US" sz="3200" dirty="0">
+              <a:rPr lang="en-US" sz="2800" dirty="0">
                 <a:solidFill>
                   <a:schemeClr val="bg1"/>
                 </a:solidFill>
@@ -3734,7 +3744,7 @@
               <a:t> </a:t>
             </a:r>
             <a:r>
-              <a:rPr lang="en-US" sz="3200" dirty="0" err="1">
+              <a:rPr lang="en-US" sz="2800" dirty="0" err="1">
                 <a:solidFill>
                   <a:schemeClr val="bg1"/>
                 </a:solidFill>
@@ -3743,7 +3753,7 @@
               <a:t>Liên</a:t>
             </a:r>
             <a:r>
-              <a:rPr lang="en-US" sz="3200" dirty="0">
+              <a:rPr lang="en-US" sz="2800" dirty="0">
                 <a:solidFill>
                   <a:schemeClr val="bg1"/>
                 </a:solidFill>
@@ -3752,7 +3762,7 @@
               <a:t> </a:t>
             </a:r>
             <a:r>
-              <a:rPr lang="en-US" sz="3200" dirty="0" err="1">
+              <a:rPr lang="en-US" sz="2800" dirty="0" err="1">
                 <a:solidFill>
                   <a:schemeClr val="bg1"/>
                 </a:solidFill>
@@ -3761,7 +3771,7 @@
               <a:t>Xô</a:t>
             </a:r>
             <a:r>
-              <a:rPr lang="en-US" sz="3200" dirty="0">
+              <a:rPr lang="en-US" sz="2800" dirty="0">
                 <a:solidFill>
                   <a:schemeClr val="bg1"/>
                 </a:solidFill>
@@ -3770,7 +3780,7 @@
               <a:t> </a:t>
             </a:r>
             <a:r>
-              <a:rPr lang="en-US" sz="3200" dirty="0" err="1">
+              <a:rPr lang="en-US" sz="2800" dirty="0" err="1">
                 <a:solidFill>
                   <a:schemeClr val="bg1"/>
                 </a:solidFill>
@@ -3779,7 +3789,7 @@
               <a:t>và</a:t>
             </a:r>
             <a:r>
-              <a:rPr lang="en-US" sz="3200" dirty="0">
+              <a:rPr lang="en-US" sz="2800" dirty="0">
                 <a:solidFill>
                   <a:schemeClr val="bg1"/>
                 </a:solidFill>
@@ -3788,7 +3798,7 @@
               <a:t> </a:t>
             </a:r>
             <a:r>
-              <a:rPr lang="en-US" sz="3200" dirty="0" err="1">
+              <a:rPr lang="en-US" sz="2800" dirty="0" err="1">
                 <a:solidFill>
                   <a:schemeClr val="bg1"/>
                 </a:solidFill>
@@ -3797,7 +3807,7 @@
               <a:t>Việt</a:t>
             </a:r>
             <a:r>
-              <a:rPr lang="en-US" sz="3200" dirty="0">
+              <a:rPr lang="en-US" sz="2800" dirty="0">
                 <a:solidFill>
                   <a:schemeClr val="bg1"/>
                 </a:solidFill>
@@ -3806,7 +3816,7 @@
               <a:t> Nam </a:t>
             </a:r>
             <a:r>
-              <a:rPr lang="en-US" sz="3200" dirty="0" err="1">
+              <a:rPr lang="en-US" sz="2800" dirty="0" err="1">
                 <a:solidFill>
                   <a:schemeClr val="bg1"/>
                 </a:solidFill>
@@ -3815,7 +3825,7 @@
               <a:t>để</a:t>
             </a:r>
             <a:r>
-              <a:rPr lang="en-US" sz="3200" dirty="0">
+              <a:rPr lang="en-US" sz="2800" dirty="0">
                 <a:solidFill>
                   <a:schemeClr val="bg1"/>
                 </a:solidFill>
@@ -3824,7 +3834,7 @@
               <a:t> </a:t>
             </a:r>
             <a:r>
-              <a:rPr lang="vi-VN" sz="3200" dirty="0">
+              <a:rPr lang="vi-VN" sz="2800" dirty="0">
                 <a:solidFill>
                   <a:schemeClr val="bg1"/>
                 </a:solidFill>
@@ -3835,11 +3845,17 @@
           </a:p>
           <a:p>
             <a:pPr marL="457200" indent="-457200">
+              <a:spcBef>
+                <a:spcPts val="1800"/>
+              </a:spcBef>
+              <a:spcAft>
+                <a:spcPts val="1800"/>
+              </a:spcAft>
               <a:buFont typeface="Arial" panose="020B0604020202020204" pitchFamily="34" charset="0"/>
               <a:buChar char="•"/>
             </a:pPr>
             <a:r>
-              <a:rPr lang="en-US" sz="3200" dirty="0" err="1">
+              <a:rPr lang="en-US" sz="2800" dirty="0" err="1">
                 <a:solidFill>
                   <a:schemeClr val="bg1"/>
                 </a:solidFill>
@@ -3848,7 +3864,7 @@
               <a:t>Công</a:t>
             </a:r>
             <a:r>
-              <a:rPr lang="en-US" sz="3200" dirty="0">
+              <a:rPr lang="en-US" sz="2800" dirty="0">
                 <a:solidFill>
                   <a:schemeClr val="bg1"/>
                 </a:solidFill>
@@ -3857,7 +3873,7 @@
               <a:t> </a:t>
             </a:r>
             <a:r>
-              <a:rPr lang="en-US" sz="3200" dirty="0" err="1">
+              <a:rPr lang="en-US" sz="2800" dirty="0" err="1">
                 <a:solidFill>
                   <a:schemeClr val="bg1"/>
                 </a:solidFill>
@@ -3866,7 +3882,7 @@
               <a:t>khai</a:t>
             </a:r>
             <a:r>
-              <a:rPr lang="en-US" sz="3200" dirty="0">
+              <a:rPr lang="en-US" sz="2800" dirty="0">
                 <a:solidFill>
                   <a:schemeClr val="bg1"/>
                 </a:solidFill>
@@ -3875,7 +3891,7 @@
               <a:t> ý </a:t>
             </a:r>
             <a:r>
-              <a:rPr lang="en-US" sz="3200" dirty="0" err="1">
+              <a:rPr lang="en-US" sz="2800" dirty="0" err="1">
                 <a:solidFill>
                   <a:schemeClr val="bg1"/>
                 </a:solidFill>
@@ -3884,7 +3900,7 @@
               <a:t>định</a:t>
             </a:r>
             <a:r>
-              <a:rPr lang="en-US" sz="3200" dirty="0">
+              <a:rPr lang="en-US" sz="2800" dirty="0">
                 <a:solidFill>
                   <a:schemeClr val="bg1"/>
                 </a:solidFill>
@@ -3893,7 +3909,7 @@
               <a:t> </a:t>
             </a:r>
             <a:r>
-              <a:rPr lang="en-US" sz="3200" dirty="0" err="1">
+              <a:rPr lang="en-US" sz="2800" dirty="0" err="1">
                 <a:solidFill>
                   <a:schemeClr val="bg1"/>
                 </a:solidFill>
@@ -3902,7 +3918,7 @@
               <a:t>dùng</a:t>
             </a:r>
             <a:r>
-              <a:rPr lang="en-US" sz="3200" dirty="0">
+              <a:rPr lang="en-US" sz="2800" dirty="0">
                 <a:solidFill>
                   <a:schemeClr val="bg1"/>
                 </a:solidFill>
@@ -3911,7 +3927,7 @@
               <a:t> </a:t>
             </a:r>
             <a:r>
-              <a:rPr lang="en-US" sz="3200" dirty="0" err="1">
+              <a:rPr lang="en-US" sz="2800" dirty="0" err="1">
                 <a:solidFill>
                   <a:schemeClr val="bg1"/>
                 </a:solidFill>
@@ -3920,7 +3936,7 @@
               <a:t>biện</a:t>
             </a:r>
             <a:r>
-              <a:rPr lang="en-US" sz="3200" dirty="0">
+              <a:rPr lang="en-US" sz="2800" dirty="0">
                 <a:solidFill>
                   <a:schemeClr val="bg1"/>
                 </a:solidFill>
@@ -3929,7 +3945,7 @@
               <a:t> </a:t>
             </a:r>
             <a:r>
-              <a:rPr lang="en-US" sz="3200" dirty="0" err="1">
+              <a:rPr lang="en-US" sz="2800" dirty="0" err="1">
                 <a:solidFill>
                   <a:schemeClr val="bg1"/>
                 </a:solidFill>
@@ -3938,7 +3954,7 @@
               <a:t>pháp</a:t>
             </a:r>
             <a:r>
-              <a:rPr lang="en-US" sz="3200" dirty="0">
+              <a:rPr lang="en-US" sz="2800" dirty="0">
                 <a:solidFill>
                   <a:schemeClr val="bg1"/>
                 </a:solidFill>
@@ -3947,7 +3963,7 @@
               <a:t> </a:t>
             </a:r>
             <a:r>
-              <a:rPr lang="en-US" sz="3200" dirty="0" err="1">
+              <a:rPr lang="en-US" sz="2800" dirty="0" err="1">
                 <a:solidFill>
                   <a:schemeClr val="bg1"/>
                 </a:solidFill>
@@ -3956,7 +3972,7 @@
               <a:t>quân</a:t>
             </a:r>
             <a:r>
-              <a:rPr lang="en-US" sz="3200" dirty="0">
+              <a:rPr lang="en-US" sz="2800" dirty="0">
                 <a:solidFill>
                   <a:schemeClr val="bg1"/>
                 </a:solidFill>
@@ -3965,7 +3981,7 @@
               <a:t> </a:t>
             </a:r>
             <a:r>
-              <a:rPr lang="en-US" sz="3200" dirty="0" err="1">
+              <a:rPr lang="en-US" sz="2800" dirty="0" err="1">
                 <a:solidFill>
                   <a:schemeClr val="bg1"/>
                 </a:solidFill>
@@ -3974,7 +3990,7 @@
               <a:t>sự</a:t>
             </a:r>
             <a:r>
-              <a:rPr lang="en-US" sz="3200" dirty="0">
+              <a:rPr lang="en-US" sz="2800" dirty="0">
                 <a:solidFill>
                   <a:schemeClr val="bg1"/>
                 </a:solidFill>
@@ -3983,7 +3999,7 @@
               <a:t> </a:t>
             </a:r>
             <a:r>
-              <a:rPr lang="en-US" sz="3200" dirty="0" err="1">
+              <a:rPr lang="en-US" sz="2800" dirty="0" err="1">
                 <a:solidFill>
                   <a:schemeClr val="bg1"/>
                 </a:solidFill>
@@ -3992,7 +4008,7 @@
               <a:t>đối</a:t>
             </a:r>
             <a:r>
-              <a:rPr lang="en-US" sz="3200" dirty="0">
+              <a:rPr lang="en-US" sz="2800" dirty="0">
                 <a:solidFill>
                   <a:schemeClr val="bg1"/>
                 </a:solidFill>
@@ -4001,7 +4017,7 @@
               <a:t> </a:t>
             </a:r>
             <a:r>
-              <a:rPr lang="en-US" sz="3200" dirty="0" err="1">
+              <a:rPr lang="en-US" sz="2800" dirty="0" err="1">
                 <a:solidFill>
                   <a:schemeClr val="bg1"/>
                 </a:solidFill>
@@ -4010,7 +4026,7 @@
               <a:t>phó</a:t>
             </a:r>
             <a:r>
-              <a:rPr lang="en-US" sz="3200" dirty="0">
+              <a:rPr lang="en-US" sz="2800" dirty="0">
                 <a:solidFill>
                   <a:schemeClr val="bg1"/>
                 </a:solidFill>
@@ -4019,7 +4035,7 @@
               <a:t> </a:t>
             </a:r>
             <a:r>
-              <a:rPr lang="en-US" sz="3200" dirty="0" err="1">
+              <a:rPr lang="en-US" sz="2800" dirty="0" err="1">
                 <a:solidFill>
                   <a:schemeClr val="bg1"/>
                 </a:solidFill>
@@ -4028,7 +4044,7 @@
               <a:t>với</a:t>
             </a:r>
             <a:r>
-              <a:rPr lang="en-US" sz="3200" dirty="0">
+              <a:rPr lang="en-US" sz="2800" dirty="0">
                 <a:solidFill>
                   <a:schemeClr val="bg1"/>
                 </a:solidFill>
@@ -4037,7 +4053,7 @@
               <a:t> </a:t>
             </a:r>
             <a:r>
-              <a:rPr lang="en-US" sz="3200" dirty="0" err="1">
+              <a:rPr lang="en-US" sz="2800" dirty="0" err="1">
                 <a:solidFill>
                   <a:schemeClr val="bg1"/>
                 </a:solidFill>
@@ -4046,7 +4062,7 @@
               <a:t>Việt</a:t>
             </a:r>
             <a:r>
-              <a:rPr lang="en-US" sz="3200" dirty="0">
+              <a:rPr lang="en-US" sz="2800" dirty="0">
                 <a:solidFill>
                   <a:schemeClr val="bg1"/>
                 </a:solidFill>
@@ -4082,19 +4098,72 @@
               </a:ext>
             </a:extLst>
           </a:blip>
-          <a:srcRect l="4706" t="3307" r="5721" b="-3307"/>
+          <a:srcRect l="4706" t="3307" r="5721" b="43395"/>
           <a:stretch/>
         </p:blipFill>
         <p:spPr>
           <a:xfrm>
-            <a:off x="253218" y="1294725"/>
-            <a:ext cx="6066870" cy="5119642"/>
+            <a:off x="253218" y="2273688"/>
+            <a:ext cx="6066870" cy="2728635"/>
           </a:xfrm>
           <a:prstGeom prst="rect">
             <a:avLst/>
           </a:prstGeom>
         </p:spPr>
       </p:pic>
+      <p:sp>
+        <p:nvSpPr>
+          <p:cNvPr id="7" name="Action Button: Go Back or Previous 6">
+            <a:hlinkClick r:id="rId3" action="ppaction://hlinkpres?slideindex=2&amp;slidetitle=PowerPoint Presentation" highlightClick="1"/>
+            <a:extLst>
+              <a:ext uri="{FF2B5EF4-FFF2-40B4-BE49-F238E27FC236}">
+                <a16:creationId xmlns:a16="http://schemas.microsoft.com/office/drawing/2014/main" id="{CA17D697-09B1-4437-BBE5-4F81D561287C}"/>
+              </a:ext>
+            </a:extLst>
+          </p:cNvPr>
+          <p:cNvSpPr/>
+          <p:nvPr/>
+        </p:nvSpPr>
+        <p:spPr>
+          <a:xfrm>
+            <a:off x="11843049" y="6624466"/>
+            <a:ext cx="345942" cy="233534"/>
+          </a:xfrm>
+          <a:prstGeom prst="actionButtonBackPrevious">
+            <a:avLst/>
+          </a:prstGeom>
+          <a:solidFill>
+            <a:srgbClr val="F7F6EE"/>
+          </a:solidFill>
+          <a:ln>
+            <a:noFill/>
+          </a:ln>
+        </p:spPr>
+        <p:style>
+          <a:lnRef idx="2">
+            <a:schemeClr val="accent1">
+              <a:shade val="50000"/>
+            </a:schemeClr>
+          </a:lnRef>
+          <a:fillRef idx="1">
+            <a:schemeClr val="accent1"/>
+          </a:fillRef>
+          <a:effectRef idx="0">
+            <a:schemeClr val="accent1"/>
+          </a:effectRef>
+          <a:fontRef idx="minor">
+            <a:schemeClr val="lt1"/>
+          </a:fontRef>
+        </p:style>
+        <p:txBody>
+          <a:bodyPr rtlCol="0" anchor="ctr"/>
+          <a:lstStyle/>
+          <a:p>
+            <a:pPr algn="ctr"/>
+            <a:endParaRPr lang="en-US"/>
+          </a:p>
+        </p:txBody>
+      </p:sp>
     </p:spTree>
     <p:extLst>
       <p:ext uri="{BB962C8B-B14F-4D97-AF65-F5344CB8AC3E}">
@@ -4105,6 +4174,281 @@
   <p:clrMapOvr>
     <a:masterClrMapping/>
   </p:clrMapOvr>
+  <p:timing>
+    <p:tnLst>
+      <p:par>
+        <p:cTn id="1" dur="indefinite" restart="never" nodeType="tmRoot">
+          <p:childTnLst>
+            <p:seq concurrent="1" nextAc="seek">
+              <p:cTn id="2" dur="indefinite" nodeType="mainSeq">
+                <p:childTnLst>
+                  <p:par>
+                    <p:cTn id="3" fill="hold">
+                      <p:stCondLst>
+                        <p:cond delay="indefinite"/>
+                      </p:stCondLst>
+                      <p:childTnLst>
+                        <p:par>
+                          <p:cTn id="4" fill="hold">
+                            <p:stCondLst>
+                              <p:cond delay="0"/>
+                            </p:stCondLst>
+                            <p:childTnLst>
+                              <p:par>
+                                <p:cTn id="5" presetID="10" presetClass="entr" presetSubtype="0" fill="hold" grpId="0" nodeType="clickEffect">
+                                  <p:stCondLst>
+                                    <p:cond delay="0"/>
+                                  </p:stCondLst>
+                                  <p:childTnLst>
+                                    <p:set>
+                                      <p:cBhvr>
+                                        <p:cTn id="6" dur="1" fill="hold">
+                                          <p:stCondLst>
+                                            <p:cond delay="0"/>
+                                          </p:stCondLst>
+                                        </p:cTn>
+                                        <p:tgtEl>
+                                          <p:spTgt spid="6"/>
+                                        </p:tgtEl>
+                                        <p:attrNameLst>
+                                          <p:attrName>style.visibility</p:attrName>
+                                        </p:attrNameLst>
+                                      </p:cBhvr>
+                                      <p:to>
+                                        <p:strVal val="visible"/>
+                                      </p:to>
+                                    </p:set>
+                                    <p:animEffect transition="in" filter="fade">
+                                      <p:cBhvr>
+                                        <p:cTn id="7" dur="500"/>
+                                        <p:tgtEl>
+                                          <p:spTgt spid="6"/>
+                                        </p:tgtEl>
+                                      </p:cBhvr>
+                                    </p:animEffect>
+                                  </p:childTnLst>
+                                </p:cTn>
+                              </p:par>
+                            </p:childTnLst>
+                          </p:cTn>
+                        </p:par>
+                      </p:childTnLst>
+                    </p:cTn>
+                  </p:par>
+                  <p:par>
+                    <p:cTn id="8" fill="hold">
+                      <p:stCondLst>
+                        <p:cond delay="indefinite"/>
+                      </p:stCondLst>
+                      <p:childTnLst>
+                        <p:par>
+                          <p:cTn id="9" fill="hold">
+                            <p:stCondLst>
+                              <p:cond delay="0"/>
+                            </p:stCondLst>
+                            <p:childTnLst>
+                              <p:par>
+                                <p:cTn id="10" presetID="53" presetClass="entr" presetSubtype="16" fill="hold" nodeType="clickEffect">
+                                  <p:stCondLst>
+                                    <p:cond delay="0"/>
+                                  </p:stCondLst>
+                                  <p:childTnLst>
+                                    <p:set>
+                                      <p:cBhvr>
+                                        <p:cTn id="11" dur="1" fill="hold">
+                                          <p:stCondLst>
+                                            <p:cond delay="0"/>
+                                          </p:stCondLst>
+                                        </p:cTn>
+                                        <p:tgtEl>
+                                          <p:spTgt spid="5"/>
+                                        </p:tgtEl>
+                                        <p:attrNameLst>
+                                          <p:attrName>style.visibility</p:attrName>
+                                        </p:attrNameLst>
+                                      </p:cBhvr>
+                                      <p:to>
+                                        <p:strVal val="visible"/>
+                                      </p:to>
+                                    </p:set>
+                                    <p:anim calcmode="lin" valueType="num">
+                                      <p:cBhvr>
+                                        <p:cTn id="12" dur="500" fill="hold"/>
+                                        <p:tgtEl>
+                                          <p:spTgt spid="5"/>
+                                        </p:tgtEl>
+                                        <p:attrNameLst>
+                                          <p:attrName>ppt_w</p:attrName>
+                                        </p:attrNameLst>
+                                      </p:cBhvr>
+                                      <p:tavLst>
+                                        <p:tav tm="0">
+                                          <p:val>
+                                            <p:fltVal val="0"/>
+                                          </p:val>
+                                        </p:tav>
+                                        <p:tav tm="100000">
+                                          <p:val>
+                                            <p:strVal val="#ppt_w"/>
+                                          </p:val>
+                                        </p:tav>
+                                      </p:tavLst>
+                                    </p:anim>
+                                    <p:anim calcmode="lin" valueType="num">
+                                      <p:cBhvr>
+                                        <p:cTn id="13" dur="500" fill="hold"/>
+                                        <p:tgtEl>
+                                          <p:spTgt spid="5"/>
+                                        </p:tgtEl>
+                                        <p:attrNameLst>
+                                          <p:attrName>ppt_h</p:attrName>
+                                        </p:attrNameLst>
+                                      </p:cBhvr>
+                                      <p:tavLst>
+                                        <p:tav tm="0">
+                                          <p:val>
+                                            <p:fltVal val="0"/>
+                                          </p:val>
+                                        </p:tav>
+                                        <p:tav tm="100000">
+                                          <p:val>
+                                            <p:strVal val="#ppt_h"/>
+                                          </p:val>
+                                        </p:tav>
+                                      </p:tavLst>
+                                    </p:anim>
+                                    <p:animEffect transition="in" filter="fade">
+                                      <p:cBhvr>
+                                        <p:cTn id="14" dur="500"/>
+                                        <p:tgtEl>
+                                          <p:spTgt spid="5"/>
+                                        </p:tgtEl>
+                                      </p:cBhvr>
+                                    </p:animEffect>
+                                  </p:childTnLst>
+                                </p:cTn>
+                              </p:par>
+                            </p:childTnLst>
+                          </p:cTn>
+                        </p:par>
+                      </p:childTnLst>
+                    </p:cTn>
+                  </p:par>
+                  <p:par>
+                    <p:cTn id="15" fill="hold">
+                      <p:stCondLst>
+                        <p:cond delay="indefinite"/>
+                      </p:stCondLst>
+                      <p:childTnLst>
+                        <p:par>
+                          <p:cTn id="16" fill="hold">
+                            <p:stCondLst>
+                              <p:cond delay="0"/>
+                            </p:stCondLst>
+                            <p:childTnLst>
+                              <p:par>
+                                <p:cTn id="17" presetID="14" presetClass="entr" presetSubtype="10" fill="hold" grpId="0" nodeType="clickEffect">
+                                  <p:stCondLst>
+                                    <p:cond delay="0"/>
+                                  </p:stCondLst>
+                                  <p:childTnLst>
+                                    <p:set>
+                                      <p:cBhvr>
+                                        <p:cTn id="18" dur="1" fill="hold">
+                                          <p:stCondLst>
+                                            <p:cond delay="0"/>
+                                          </p:stCondLst>
+                                        </p:cTn>
+                                        <p:tgtEl>
+                                          <p:spTgt spid="8"/>
+                                        </p:tgtEl>
+                                        <p:attrNameLst>
+                                          <p:attrName>style.visibility</p:attrName>
+                                        </p:attrNameLst>
+                                      </p:cBhvr>
+                                      <p:to>
+                                        <p:strVal val="visible"/>
+                                      </p:to>
+                                    </p:set>
+                                    <p:animEffect transition="in" filter="randombar(horizontal)">
+                                      <p:cBhvr>
+                                        <p:cTn id="19" dur="500"/>
+                                        <p:tgtEl>
+                                          <p:spTgt spid="8"/>
+                                        </p:tgtEl>
+                                      </p:cBhvr>
+                                    </p:animEffect>
+                                  </p:childTnLst>
+                                </p:cTn>
+                              </p:par>
+                              <p:par>
+                                <p:cTn id="20" presetID="14" presetClass="entr" presetSubtype="10" fill="hold" grpId="0" nodeType="withEffect">
+                                  <p:stCondLst>
+                                    <p:cond delay="0"/>
+                                  </p:stCondLst>
+                                  <p:childTnLst>
+                                    <p:set>
+                                      <p:cBhvr>
+                                        <p:cTn id="21" dur="1" fill="hold">
+                                          <p:stCondLst>
+                                            <p:cond delay="0"/>
+                                          </p:stCondLst>
+                                        </p:cTn>
+                                        <p:tgtEl>
+                                          <p:spTgt spid="9"/>
+                                        </p:tgtEl>
+                                        <p:attrNameLst>
+                                          <p:attrName>style.visibility</p:attrName>
+                                        </p:attrNameLst>
+                                      </p:cBhvr>
+                                      <p:to>
+                                        <p:strVal val="visible"/>
+                                      </p:to>
+                                    </p:set>
+                                    <p:animEffect transition="in" filter="randombar(horizontal)">
+                                      <p:cBhvr>
+                                        <p:cTn id="22" dur="500"/>
+                                        <p:tgtEl>
+                                          <p:spTgt spid="9"/>
+                                        </p:tgtEl>
+                                      </p:cBhvr>
+                                    </p:animEffect>
+                                  </p:childTnLst>
+                                </p:cTn>
+                              </p:par>
+                            </p:childTnLst>
+                          </p:cTn>
+                        </p:par>
+                      </p:childTnLst>
+                    </p:cTn>
+                  </p:par>
+                </p:childTnLst>
+              </p:cTn>
+              <p:prevCondLst>
+                <p:cond evt="onPrev" delay="0">
+                  <p:tgtEl>
+                    <p:sldTgt/>
+                  </p:tgtEl>
+                </p:cond>
+              </p:prevCondLst>
+              <p:nextCondLst>
+                <p:cond evt="onNext" delay="0">
+                  <p:tgtEl>
+                    <p:sldTgt/>
+                  </p:tgtEl>
+                </p:cond>
+              </p:nextCondLst>
+            </p:seq>
+          </p:childTnLst>
+        </p:cTn>
+      </p:par>
+    </p:tnLst>
+    <p:bldLst>
+      <p:bldP spid="6" grpId="0" animBg="1"/>
+      <p:bldP spid="8" grpId="0" animBg="1"/>
+      <p:bldP spid="9" grpId="0"/>
+    </p:bldLst>
+  </p:timing>
 </p:sld>
 </file>
 
